--- a/Notebooks/EngineeringNotebook/MS-PowerPoint-Files/tsWxGTUI_PyVx/Release.pptx
+++ b/Notebooks/EngineeringNotebook/MS-PowerPoint-Files/tsWxGTUI_PyVx/Release.pptx
@@ -294,7 +294,7 @@
               <a:pPr>
                 <a:defRPr/>
               </a:pPr>
-              <a:t>11/25/2015</a:t>
+              <a:t>12/23/2016</a:t>
             </a:fld>
             <a:endParaRPr lang="en-US"/>
           </a:p>
@@ -531,7 +531,7 @@
               <a:pPr>
                 <a:defRPr/>
               </a:pPr>
-              <a:t>11/25/2015</a:t>
+              <a:t>12/23/2016</a:t>
             </a:fld>
             <a:endParaRPr lang="en-US"/>
           </a:p>
@@ -603,35 +603,35 @@
           <a:p>
             <a:pPr lvl="0"/>
             <a:r>
-              <a:rPr lang="en-US" noProof="0" smtClean="0"/>
+              <a:rPr lang="en-US" noProof="0"/>
               <a:t>Click to edit Master text styles</a:t>
             </a:r>
           </a:p>
           <a:p>
             <a:pPr lvl="1"/>
             <a:r>
-              <a:rPr lang="en-US" noProof="0" smtClean="0"/>
+              <a:rPr lang="en-US" noProof="0"/>
               <a:t>Second level</a:t>
             </a:r>
           </a:p>
           <a:p>
             <a:pPr lvl="2"/>
             <a:r>
-              <a:rPr lang="en-US" noProof="0" smtClean="0"/>
+              <a:rPr lang="en-US" noProof="0"/>
               <a:t>Third level</a:t>
             </a:r>
           </a:p>
           <a:p>
             <a:pPr lvl="3"/>
             <a:r>
-              <a:rPr lang="en-US" noProof="0" smtClean="0"/>
+              <a:rPr lang="en-US" noProof="0"/>
               <a:t>Fourth level</a:t>
             </a:r>
           </a:p>
           <a:p>
             <a:pPr lvl="4"/>
             <a:r>
-              <a:rPr lang="en-US" noProof="0" smtClean="0"/>
+              <a:rPr lang="en-US" noProof="0"/>
               <a:t>Fifth level</a:t>
             </a:r>
           </a:p>
@@ -918,7 +918,7 @@
           <a:lstStyle/>
           <a:p>
             <a:pPr eaLnBrk="1" hangingPunct="1"/>
-            <a:endParaRPr lang="en-US" smtClean="0"/>
+            <a:endParaRPr lang="en-US"/>
           </a:p>
         </p:txBody>
       </p:sp>
@@ -985,7 +985,7 @@
           <a:lstStyle/>
           <a:p>
             <a:pPr eaLnBrk="1" hangingPunct="1"/>
-            <a:endParaRPr lang="en-US" smtClean="0"/>
+            <a:endParaRPr lang="en-US"/>
           </a:p>
         </p:txBody>
       </p:sp>
@@ -1052,7 +1052,7 @@
           <a:lstStyle/>
           <a:p>
             <a:pPr eaLnBrk="1" hangingPunct="1"/>
-            <a:endParaRPr lang="en-US" smtClean="0"/>
+            <a:endParaRPr lang="en-US"/>
           </a:p>
         </p:txBody>
       </p:sp>
@@ -1119,7 +1119,7 @@
           <a:lstStyle/>
           <a:p>
             <a:pPr eaLnBrk="1" hangingPunct="1"/>
-            <a:endParaRPr lang="en-US" smtClean="0"/>
+            <a:endParaRPr lang="en-US"/>
           </a:p>
         </p:txBody>
       </p:sp>
@@ -1186,7 +1186,7 @@
           <a:lstStyle/>
           <a:p>
             <a:pPr eaLnBrk="1" hangingPunct="1"/>
-            <a:endParaRPr lang="en-US" smtClean="0"/>
+            <a:endParaRPr lang="en-US"/>
           </a:p>
         </p:txBody>
       </p:sp>
@@ -1253,7 +1253,7 @@
           <a:lstStyle/>
           <a:p>
             <a:pPr eaLnBrk="1" hangingPunct="1"/>
-            <a:endParaRPr lang="en-US" smtClean="0"/>
+            <a:endParaRPr lang="en-US"/>
           </a:p>
         </p:txBody>
       </p:sp>
@@ -1320,7 +1320,7 @@
           <a:lstStyle/>
           <a:p>
             <a:pPr eaLnBrk="1" hangingPunct="1"/>
-            <a:endParaRPr lang="en-US" smtClean="0"/>
+            <a:endParaRPr lang="en-US"/>
           </a:p>
         </p:txBody>
       </p:sp>
@@ -1779,7 +1779,7 @@
             </a:pPr>
             <a:fld id="{B5B52024-79AA-4062-8229-397D9E214550}" type="datetime1">
               <a:rPr lang="en-US" smtClean="0"/>
-              <a:t>11/25/2015</a:t>
+              <a:t>12/23/2016</a:t>
             </a:fld>
             <a:endParaRPr lang="en-US"/>
           </a:p>
@@ -1817,10 +1817,9 @@
               <a:defRPr/>
             </a:pPr>
             <a:r>
-              <a:rPr lang="en-US" dirty="0" smtClean="0"/>
+              <a:rPr lang="en-US" dirty="0"/>
               <a:t>TeamSTARS "tsWxGTUI_PyVx" Toolkit prepared &amp; presented by Richard S. Gordon</a:t>
             </a:r>
-            <a:endParaRPr lang="en-US" dirty="0"/>
           </a:p>
         </p:txBody>
       </p:sp>
@@ -1985,7 +1984,7 @@
             </a:pPr>
             <a:fld id="{5534B48B-48D4-4D1F-B98F-2ED8E1B04ED0}" type="datetime1">
               <a:rPr lang="en-US" smtClean="0"/>
-              <a:t>11/25/2015</a:t>
+              <a:t>12/23/2016</a:t>
             </a:fld>
             <a:endParaRPr lang="en-US"/>
           </a:p>
@@ -2016,10 +2015,9 @@
               <a:defRPr/>
             </a:pPr>
             <a:r>
-              <a:rPr lang="en-US" dirty="0" smtClean="0"/>
+              <a:rPr lang="en-US" dirty="0"/>
               <a:t>TeamSTARS "tsWxGTUI_PyVx" Toolkit prepared &amp; presented by Richard S. Gordon</a:t>
             </a:r>
-            <a:endParaRPr lang="en-US" dirty="0"/>
           </a:p>
         </p:txBody>
       </p:sp>
@@ -2187,7 +2185,7 @@
             </a:pPr>
             <a:fld id="{C3557E2B-7DD4-4DCF-9DDD-7786167218C6}" type="datetime1">
               <a:rPr lang="en-US" smtClean="0"/>
-              <a:t>11/25/2015</a:t>
+              <a:t>12/23/2016</a:t>
             </a:fld>
             <a:endParaRPr lang="en-US"/>
           </a:p>
@@ -2218,10 +2216,9 @@
               <a:defRPr/>
             </a:pPr>
             <a:r>
-              <a:rPr lang="en-US" dirty="0" smtClean="0"/>
+              <a:rPr lang="en-US" dirty="0"/>
               <a:t>TeamSTARS "tsWxGTUI_PyVx" Toolkit prepared &amp; presented by Richard S. Gordon</a:t>
             </a:r>
-            <a:endParaRPr lang="en-US" dirty="0"/>
           </a:p>
         </p:txBody>
       </p:sp>
@@ -2379,7 +2376,7 @@
             </a:pPr>
             <a:fld id="{65B11A62-63AA-4067-ACEB-AA6A42CE3A38}" type="datetime1">
               <a:rPr lang="en-US" smtClean="0"/>
-              <a:t>11/25/2015</a:t>
+              <a:t>12/23/2016</a:t>
             </a:fld>
             <a:endParaRPr lang="en-US"/>
           </a:p>
@@ -2410,10 +2407,9 @@
               <a:defRPr/>
             </a:pPr>
             <a:r>
-              <a:rPr lang="en-US" dirty="0" smtClean="0"/>
+              <a:rPr lang="en-US" dirty="0"/>
               <a:t>TeamSTARS "tsWxGTUI_PyVx" Toolkit prepared &amp; presented by Richard S. Gordon</a:t>
             </a:r>
-            <a:endParaRPr lang="en-US" dirty="0"/>
           </a:p>
         </p:txBody>
       </p:sp>
@@ -2594,7 +2590,7 @@
             </a:pPr>
             <a:fld id="{013FB6F9-CFEF-47AA-A08B-D90CED01DE9A}" type="datetime1">
               <a:rPr lang="en-US" smtClean="0"/>
-              <a:t>11/25/2015</a:t>
+              <a:t>12/23/2016</a:t>
             </a:fld>
             <a:endParaRPr lang="en-US"/>
           </a:p>
@@ -2625,10 +2621,9 @@
               <a:defRPr/>
             </a:pPr>
             <a:r>
-              <a:rPr lang="en-US" dirty="0" smtClean="0"/>
+              <a:rPr lang="en-US" dirty="0"/>
               <a:t>TeamSTARS "tsWxGTUI_PyVx" Toolkit prepared &amp; presented by Richard S. Gordon</a:t>
             </a:r>
-            <a:endParaRPr lang="en-US" dirty="0"/>
           </a:p>
         </p:txBody>
       </p:sp>
@@ -2903,7 +2898,7 @@
             </a:pPr>
             <a:fld id="{44D06F95-D493-494F-B0EB-3EDFAA385886}" type="datetime1">
               <a:rPr lang="en-US" smtClean="0"/>
-              <a:t>11/25/2015</a:t>
+              <a:t>12/23/2016</a:t>
             </a:fld>
             <a:endParaRPr lang="en-US"/>
           </a:p>
@@ -2934,10 +2929,9 @@
               <a:defRPr/>
             </a:pPr>
             <a:r>
-              <a:rPr lang="en-US" dirty="0" smtClean="0"/>
+              <a:rPr lang="en-US" dirty="0"/>
               <a:t>TeamSTARS "tsWxGTUI_PyVx" Toolkit prepared &amp; presented by Richard S. Gordon</a:t>
             </a:r>
-            <a:endParaRPr lang="en-US" dirty="0"/>
           </a:p>
         </p:txBody>
       </p:sp>
@@ -3351,7 +3345,7 @@
             </a:pPr>
             <a:fld id="{26FA81D3-96E1-4758-9306-72CE9F6E2F25}" type="datetime1">
               <a:rPr lang="en-US" smtClean="0"/>
-              <a:t>11/25/2015</a:t>
+              <a:t>12/23/2016</a:t>
             </a:fld>
             <a:endParaRPr lang="en-US"/>
           </a:p>
@@ -3382,10 +3376,9 @@
               <a:defRPr/>
             </a:pPr>
             <a:r>
-              <a:rPr lang="en-US" dirty="0" smtClean="0"/>
+              <a:rPr lang="en-US" dirty="0"/>
               <a:t>TeamSTARS "tsWxGTUI_PyVx" Toolkit prepared &amp; presented by Richard S. Gordon</a:t>
             </a:r>
-            <a:endParaRPr lang="en-US" dirty="0"/>
           </a:p>
         </p:txBody>
       </p:sp>
@@ -3492,7 +3485,7 @@
             </a:pPr>
             <a:fld id="{C22C02A3-FDB2-4B02-8110-311DDD8475C2}" type="datetime1">
               <a:rPr lang="en-US" smtClean="0"/>
-              <a:t>11/25/2015</a:t>
+              <a:t>12/23/2016</a:t>
             </a:fld>
             <a:endParaRPr lang="en-US"/>
           </a:p>
@@ -3523,10 +3516,9 @@
               <a:defRPr/>
             </a:pPr>
             <a:r>
-              <a:rPr lang="en-US" dirty="0" smtClean="0"/>
+              <a:rPr lang="en-US" dirty="0"/>
               <a:t>TeamSTARS "tsWxGTUI_PyVx" Toolkit prepared &amp; presented by Richard S. Gordon</a:t>
             </a:r>
-            <a:endParaRPr lang="en-US" dirty="0"/>
           </a:p>
         </p:txBody>
       </p:sp>
@@ -3609,7 +3601,7 @@
             </a:pPr>
             <a:fld id="{FB277746-3C8E-4161-A66B-B97D4FD5213A}" type="datetime1">
               <a:rPr lang="en-US" smtClean="0"/>
-              <a:t>11/25/2015</a:t>
+              <a:t>12/23/2016</a:t>
             </a:fld>
             <a:endParaRPr lang="en-US"/>
           </a:p>
@@ -3903,7 +3895,7 @@
             </a:pPr>
             <a:fld id="{86B778C6-FEB5-4910-BBA7-BBA76466D3B2}" type="datetime1">
               <a:rPr lang="en-US" smtClean="0"/>
-              <a:t>11/25/2015</a:t>
+              <a:t>12/23/2016</a:t>
             </a:fld>
             <a:endParaRPr lang="en-US"/>
           </a:p>
@@ -3934,10 +3926,9 @@
               <a:defRPr/>
             </a:pPr>
             <a:r>
-              <a:rPr lang="en-US" dirty="0" smtClean="0"/>
+              <a:rPr lang="en-US" dirty="0"/>
               <a:t>TeamSTARS "tsWxGTUI_PyVx" Toolkit prepared &amp; presented by Richard S. Gordon</a:t>
             </a:r>
-            <a:endParaRPr lang="en-US" dirty="0"/>
           </a:p>
         </p:txBody>
       </p:sp>
@@ -4180,7 +4171,7 @@
             </a:pPr>
             <a:fld id="{7A68BEE5-7335-4799-9F53-F65CFD274630}" type="datetime1">
               <a:rPr lang="en-US" smtClean="0"/>
-              <a:t>11/25/2015</a:t>
+              <a:t>12/23/2016</a:t>
             </a:fld>
             <a:endParaRPr lang="en-US"/>
           </a:p>
@@ -4211,10 +4202,9 @@
               <a:defRPr/>
             </a:pPr>
             <a:r>
-              <a:rPr lang="en-US" dirty="0" smtClean="0"/>
+              <a:rPr lang="en-US" dirty="0"/>
               <a:t>TeamSTARS "tsWxGTUI_PyVx" Toolkit prepared &amp; presented by Richard S. Gordon</a:t>
             </a:r>
-            <a:endParaRPr lang="en-US" dirty="0"/>
           </a:p>
         </p:txBody>
       </p:sp>
@@ -4594,7 +4584,7 @@
           <a:p>
             <a:pPr lvl="0"/>
             <a:r>
-              <a:rPr lang="en-US" smtClean="0"/>
+              <a:rPr lang="en-US"/>
               <a:t>Click to edit Master title style</a:t>
             </a:r>
           </a:p>
@@ -4636,35 +4626,35 @@
           <a:p>
             <a:pPr lvl="0"/>
             <a:r>
-              <a:rPr lang="en-US" smtClean="0"/>
+              <a:rPr lang="en-US"/>
               <a:t>Click to edit Master text styles</a:t>
             </a:r>
           </a:p>
           <a:p>
             <a:pPr lvl="1"/>
             <a:r>
-              <a:rPr lang="en-US" smtClean="0"/>
+              <a:rPr lang="en-US"/>
               <a:t>Second level</a:t>
             </a:r>
           </a:p>
           <a:p>
             <a:pPr lvl="2"/>
             <a:r>
-              <a:rPr lang="en-US" smtClean="0"/>
+              <a:rPr lang="en-US"/>
               <a:t>Third level</a:t>
             </a:r>
           </a:p>
           <a:p>
             <a:pPr lvl="3"/>
             <a:r>
-              <a:rPr lang="en-US" smtClean="0"/>
+              <a:rPr lang="en-US"/>
               <a:t>Fourth level</a:t>
             </a:r>
           </a:p>
           <a:p>
             <a:pPr lvl="4"/>
             <a:r>
-              <a:rPr lang="en-US" smtClean="0"/>
+              <a:rPr lang="en-US"/>
               <a:t>Fifth level</a:t>
             </a:r>
           </a:p>
@@ -4714,7 +4704,7 @@
             </a:pPr>
             <a:fld id="{45A933D1-86C7-45FF-B83F-CA5ED825AD11}" type="datetime1">
               <a:rPr lang="en-US" smtClean="0"/>
-              <a:t>11/25/2015</a:t>
+              <a:t>12/23/2016</a:t>
             </a:fld>
             <a:endParaRPr lang="en-US"/>
           </a:p>
@@ -4763,10 +4753,9 @@
               <a:defRPr/>
             </a:pPr>
             <a:r>
-              <a:rPr lang="en-US" dirty="0" smtClean="0"/>
+              <a:rPr lang="en-US" dirty="0"/>
               <a:t>TeamSTARS "tsWxGTUI_PyVx" Toolkit prepared &amp; presented by Richard S. Gordon</a:t>
             </a:r>
-            <a:endParaRPr lang="en-US" dirty="0"/>
           </a:p>
         </p:txBody>
       </p:sp>
@@ -5298,10 +5287,9 @@
           <a:lstStyle/>
           <a:p>
             <a:r>
-              <a:rPr lang="en-US" dirty="0" smtClean="0"/>
+              <a:rPr lang="en-US" dirty="0"/>
               <a:t>Release</a:t>
             </a:r>
-            <a:endParaRPr lang="en-US" dirty="0"/>
           </a:p>
         </p:txBody>
       </p:sp>
@@ -5324,14 +5312,14 @@
               <a:buFont typeface="Wingdings" pitchFamily="2" charset="2"/>
               <a:buNone/>
             </a:pPr>
-            <a:endParaRPr lang="en-US" sz="2800" smtClean="0"/>
+            <a:endParaRPr lang="en-US" sz="2800"/>
           </a:p>
           <a:p>
             <a:pPr marL="0" indent="0" algn="ctr" eaLnBrk="1" hangingPunct="1">
               <a:buFont typeface="Wingdings" pitchFamily="2" charset="2"/>
               <a:buNone/>
             </a:pPr>
-            <a:endParaRPr lang="en-US" sz="2800" smtClean="0"/>
+            <a:endParaRPr lang="en-US" sz="2800"/>
           </a:p>
         </p:txBody>
       </p:sp>
@@ -5354,9 +5342,9 @@
           <a:p>
             <a:fld id="{878D0E70-D567-4EAD-BEEC-D30EFDF84A73}" type="datetime1">
               <a:rPr lang="en-US" smtClean="0"/>
-              <a:t>11/25/2015</a:t>
+              <a:t>12/23/2016</a:t>
             </a:fld>
-            <a:endParaRPr lang="en-US" smtClean="0"/>
+            <a:endParaRPr lang="en-US"/>
           </a:p>
         </p:txBody>
       </p:sp>
@@ -5412,34 +5400,32 @@
       </p:sp>
       <p:pic>
         <p:nvPicPr>
-          <p:cNvPr id="6151" name="Picture 5" descr="tsWxGTUI_PyVx Masthead"/>
+          <p:cNvPr id="3" name="Picture 2"/>
           <p:cNvPicPr>
-            <a:picLocks noChangeAspect="1" noChangeArrowheads="1"/>
+            <a:picLocks noChangeAspect="1"/>
           </p:cNvPicPr>
           <p:nvPr/>
         </p:nvPicPr>
         <p:blipFill>
-          <a:blip r:embed="rId3"/>
-          <a:srcRect/>
+          <a:blip r:embed="rId3">
+            <a:extLst>
+              <a:ext uri="{28A0092B-C50C-407E-A947-70E740481C1C}">
+                <a14:useLocalDpi xmlns:a14="http://schemas.microsoft.com/office/drawing/2010/main" val="0"/>
+              </a:ext>
+            </a:extLst>
+          </a:blip>
           <a:stretch>
             <a:fillRect/>
           </a:stretch>
         </p:blipFill>
-        <p:spPr bwMode="auto">
+        <p:spPr>
           <a:xfrm>
-            <a:off x="1524000" y="2195513"/>
-            <a:ext cx="9196388" cy="2259012"/>
+            <a:off x="581924" y="2419349"/>
+            <a:ext cx="10946688" cy="3479307"/>
           </a:xfrm>
           <a:prstGeom prst="rect">
             <a:avLst/>
           </a:prstGeom>
-          <a:noFill/>
-          <a:ln w="9525">
-            <a:noFill/>
-            <a:miter lim="800000"/>
-            <a:headEnd/>
-            <a:tailEnd/>
-          </a:ln>
         </p:spPr>
       </p:pic>
     </p:spTree>
@@ -5448,13 +5434,6 @@
     <a:masterClrMapping/>
   </p:clrMapOvr>
   <p:transition/>
-  <p:timing>
-    <p:tnLst>
-      <p:par>
-        <p:cTn id="1" dur="indefinite" restart="never" nodeType="tmRoot"/>
-      </p:par>
-    </p:tnLst>
-  </p:timing>
 </p:sld>
 </file>
 
@@ -5495,14 +5474,10 @@
             </a:pPr>
             <a:r>
               <a:rPr lang="en-US" dirty="0"/>
-              <a:t>GitHub Repository </a:t>
-            </a:r>
-            <a:r>
-              <a:rPr lang="en-US" dirty="0" smtClean="0"/>
-              <a:t>Display </a:t>
-            </a:r>
-            <a:r>
-              <a:rPr lang="en-US" sz="1800" dirty="0" smtClean="0"/>
+              <a:t>GitHub Repository Display </a:t>
+            </a:r>
+            <a:r>
+              <a:rPr lang="en-US" sz="1800" dirty="0"/>
               <a:t>(</a:t>
             </a:r>
             <a:r>
@@ -5512,10 +5487,9 @@
               <a:t>Table of Contents</a:t>
             </a:r>
             <a:r>
-              <a:rPr lang="en-US" sz="1800" dirty="0" smtClean="0"/>
+              <a:rPr lang="en-US" sz="1800" dirty="0"/>
               <a:t>)</a:t>
             </a:r>
-            <a:endParaRPr lang="en-US" sz="1800" dirty="0"/>
           </a:p>
         </p:txBody>
       </p:sp>
@@ -5564,36 +5538,15 @@
           <a:lstStyle/>
           <a:p>
             <a:r>
-              <a:rPr lang="en-US" dirty="0" smtClean="0"/>
-              <a:t>Click </a:t>
-            </a:r>
-            <a:r>
               <a:rPr lang="en-US" dirty="0"/>
-              <a:t>on an Item of Interest (menu “Pull requests”, “Issues” or “Gist) to initiate an activity or view its contents</a:t>
-            </a:r>
-          </a:p>
-          <a:p>
-            <a:r>
-              <a:rPr lang="en-US" dirty="0" smtClean="0"/>
-              <a:t>Click </a:t>
-            </a:r>
+              <a:t>Click on an Item of Interest (menu “Pull requests”, “Issues” or “Gist) to initiate an activity or view its contents</a:t>
+            </a:r>
+          </a:p>
+          <a:p>
             <a:r>
               <a:rPr lang="en-US" dirty="0"/>
-              <a:t>on an Item of </a:t>
-            </a:r>
-            <a:r>
-              <a:rPr lang="en-US" dirty="0" smtClean="0"/>
-              <a:t>Interest (subdirectory or file) </a:t>
-            </a:r>
-            <a:r>
-              <a:rPr lang="en-US" dirty="0"/>
-              <a:t>to view its </a:t>
-            </a:r>
-            <a:r>
-              <a:rPr lang="en-US" dirty="0" smtClean="0"/>
-              <a:t>contents</a:t>
-            </a:r>
-            <a:endParaRPr lang="en-US" dirty="0"/>
+              <a:t>Click on an Item of Interest (subdirectory or file) to view its contents</a:t>
+            </a:r>
           </a:p>
         </p:txBody>
       </p:sp>
@@ -5616,9 +5569,9 @@
           <a:p>
             <a:fld id="{33C6FF47-8398-4393-8122-83295449F3D8}" type="datetime1">
               <a:rPr lang="en-US" smtClean="0"/>
-              <a:t>11/25/2015</a:t>
+              <a:t>12/23/2016</a:t>
             </a:fld>
-            <a:endParaRPr lang="en-US" dirty="0" smtClean="0"/>
+            <a:endParaRPr lang="en-US" dirty="0"/>
           </a:p>
         </p:txBody>
       </p:sp>
@@ -5640,7 +5593,7 @@
           <a:lstStyle/>
           <a:p>
             <a:r>
-              <a:rPr lang="en-US" dirty="0" smtClean="0"/>
+              <a:rPr lang="en-US" dirty="0"/>
               <a:t>TeamSTARS "tsWxGTUI_PyVx" Toolkit prepared &amp; presented by Richard S. Gordon</a:t>
             </a:r>
           </a:p>
@@ -5682,13 +5635,6 @@
   <p:clrMapOvr>
     <a:masterClrMapping/>
   </p:clrMapOvr>
-  <p:timing>
-    <p:tnLst>
-      <p:par>
-        <p:cTn id="1" dur="indefinite" restart="never" nodeType="tmRoot"/>
-      </p:par>
-    </p:tnLst>
-  </p:timing>
 </p:sld>
 </file>
 
@@ -5729,18 +5675,14 @@
             </a:pPr>
             <a:r>
               <a:rPr lang="en-US" dirty="0"/>
-              <a:t>GitHub Repository Issues </a:t>
-            </a:r>
-            <a:r>
-              <a:rPr lang="en-US" dirty="0" smtClean="0"/>
-              <a:t>Display</a:t>
-            </a:r>
-            <a:r>
-              <a:rPr lang="en-US" sz="5400" dirty="0" smtClean="0"/>
+              <a:t>GitHub Repository Issues Display</a:t>
+            </a:r>
+            <a:r>
+              <a:rPr lang="en-US" sz="5400" dirty="0"/>
               <a:t> </a:t>
             </a:r>
             <a:r>
-              <a:rPr lang="en-US" sz="1800" dirty="0" smtClean="0"/>
+              <a:rPr lang="en-US" sz="1800" dirty="0"/>
               <a:t>(</a:t>
             </a:r>
             <a:r>
@@ -5750,10 +5692,9 @@
               <a:t>Table of Contents</a:t>
             </a:r>
             <a:r>
-              <a:rPr lang="en-US" sz="1800" dirty="0" smtClean="0"/>
+              <a:rPr lang="en-US" sz="1800" dirty="0"/>
               <a:t>)</a:t>
             </a:r>
-            <a:endParaRPr lang="en-US" sz="1800" dirty="0"/>
           </a:p>
         </p:txBody>
       </p:sp>
@@ -5802,20 +5743,15 @@
           <a:lstStyle/>
           <a:p>
             <a:r>
-              <a:rPr lang="en-US" dirty="0" smtClean="0"/>
-              <a:t>Click </a:t>
-            </a:r>
-            <a:r>
               <a:rPr lang="en-US" dirty="0"/>
-              <a:t>on an Item of Interest (menu “Pull requests”, “Issues” or “Gist) to initiate an activity or view its contents</a:t>
-            </a:r>
-          </a:p>
-          <a:p>
-            <a:r>
-              <a:rPr lang="en-US" dirty="0" smtClean="0"/>
+              <a:t>Click on an Item of Interest (menu “Pull requests”, “Issues” or “Gist) to initiate an activity or view its contents</a:t>
+            </a:r>
+          </a:p>
+          <a:p>
+            <a:r>
+              <a:rPr lang="en-US" dirty="0"/>
               <a:t>Click on an Item of Interest (Issue list entry) to view its reported details and any subsequent comments</a:t>
             </a:r>
-            <a:endParaRPr lang="en-US" dirty="0"/>
           </a:p>
         </p:txBody>
       </p:sp>
@@ -5838,9 +5774,9 @@
           <a:p>
             <a:fld id="{33C6FF47-8398-4393-8122-83295449F3D8}" type="datetime1">
               <a:rPr lang="en-US" smtClean="0"/>
-              <a:t>11/25/2015</a:t>
+              <a:t>12/23/2016</a:t>
             </a:fld>
-            <a:endParaRPr lang="en-US" dirty="0" smtClean="0"/>
+            <a:endParaRPr lang="en-US" dirty="0"/>
           </a:p>
         </p:txBody>
       </p:sp>
@@ -5862,7 +5798,7 @@
           <a:lstStyle/>
           <a:p>
             <a:r>
-              <a:rPr lang="en-US" dirty="0" smtClean="0"/>
+              <a:rPr lang="en-US" dirty="0"/>
               <a:t>TeamSTARS "tsWxGTUI_PyVx" Toolkit prepared &amp; presented by Richard S. Gordon</a:t>
             </a:r>
           </a:p>
@@ -5904,13 +5840,6 @@
   <p:clrMapOvr>
     <a:masterClrMapping/>
   </p:clrMapOvr>
-  <p:timing>
-    <p:tnLst>
-      <p:par>
-        <p:cTn id="1" dur="indefinite" restart="never" nodeType="tmRoot"/>
-      </p:par>
-    </p:tnLst>
-  </p:timing>
 </p:sld>
 </file>
 
@@ -5948,23 +5877,23 @@
           <a:p>
             <a:pPr eaLnBrk="1" hangingPunct="1"/>
             <a:r>
-              <a:rPr lang="en-US" dirty="0" smtClean="0"/>
+              <a:rPr lang="en-US" dirty="0"/>
               <a:t>Table of Contents </a:t>
             </a:r>
             <a:r>
-              <a:rPr lang="en-US" sz="2000" dirty="0" smtClean="0"/>
+              <a:rPr lang="en-US" sz="2000" dirty="0"/>
               <a:t>(</a:t>
             </a:r>
             <a:r>
-              <a:rPr lang="en-US" sz="2000" i="1" dirty="0" smtClean="0"/>
+              <a:rPr lang="en-US" sz="2000" i="1" dirty="0"/>
               <a:t>with slide show</a:t>
             </a:r>
             <a:r>
-              <a:rPr lang="en-US" sz="2000" dirty="0" smtClean="0"/>
+              <a:rPr lang="en-US" sz="2000" dirty="0"/>
               <a:t> </a:t>
             </a:r>
             <a:r>
-              <a:rPr lang="en-US" sz="2000" u="sng" dirty="0" smtClean="0">
+              <a:rPr lang="en-US" sz="2000" u="sng" dirty="0">
                 <a:solidFill>
                   <a:srgbClr val="FF0000"/>
                 </a:solidFill>
@@ -5972,7 +5901,7 @@
               <a:t>Hyperlinks</a:t>
             </a:r>
             <a:r>
-              <a:rPr lang="en-US" sz="2000" dirty="0" smtClean="0"/>
+              <a:rPr lang="en-US" sz="2000" dirty="0"/>
               <a:t>)</a:t>
             </a:r>
           </a:p>
@@ -5995,17 +5924,17 @@
           <a:p>
             <a:pPr eaLnBrk="1" hangingPunct="1"/>
             <a:r>
-              <a:rPr lang="en-US" sz="2400" dirty="0" smtClean="0">
+              <a:rPr lang="en-US" sz="2400" dirty="0">
                 <a:hlinkClick r:id="rId3" action="ppaction://hlinksldjump"/>
               </a:rPr>
               <a:t>Capabilities</a:t>
             </a:r>
-            <a:endParaRPr lang="en-US" sz="2400" dirty="0" smtClean="0"/>
+            <a:endParaRPr lang="en-US" sz="2400" dirty="0"/>
           </a:p>
           <a:p>
             <a:pPr lvl="1" eaLnBrk="1" hangingPunct="1"/>
             <a:r>
-              <a:rPr lang="en-US" sz="2000" dirty="0" smtClean="0">
+              <a:rPr lang="en-US" sz="2000" dirty="0">
                 <a:hlinkClick r:id="rId3" action="ppaction://hlinksldjump"/>
               </a:rPr>
               <a:t>Command Line Interface (CLI)</a:t>
@@ -6015,7 +5944,7 @@
           <a:p>
             <a:pPr lvl="1" eaLnBrk="1" hangingPunct="1"/>
             <a:r>
-              <a:rPr lang="en-US" sz="2000" dirty="0" smtClean="0">
+              <a:rPr lang="en-US" sz="2000" dirty="0">
                 <a:hlinkClick r:id="rId4" action="ppaction://hlinksldjump"/>
               </a:rPr>
               <a:t>Graphical User Interface (GUI)</a:t>
@@ -6025,7 +5954,7 @@
           <a:p>
             <a:pPr lvl="1" eaLnBrk="1" hangingPunct="1"/>
             <a:r>
-              <a:rPr lang="en-US" sz="2000" dirty="0" smtClean="0">
+              <a:rPr lang="en-US" sz="2000" dirty="0">
                 <a:hlinkClick r:id="rId5" action="ppaction://hlinksldjump"/>
               </a:rPr>
               <a:t>Local &amp; Remote Monitoring and Control</a:t>
@@ -6035,7 +5964,7 @@
           <a:p>
             <a:pPr eaLnBrk="1" hangingPunct="1"/>
             <a:r>
-              <a:rPr lang="en-US" sz="2400" dirty="0" smtClean="0">
+              <a:rPr lang="en-US" sz="2400" dirty="0">
                 <a:hlinkClick r:id="rId6" action="ppaction://hlinksldjump"/>
               </a:rPr>
               <a:t>Limitations</a:t>
@@ -6045,7 +5974,7 @@
           <a:p>
             <a:pPr lvl="1" eaLnBrk="1" hangingPunct="1"/>
             <a:r>
-              <a:rPr lang="en-US" sz="2000" dirty="0" smtClean="0">
+              <a:rPr lang="en-US" sz="2000" dirty="0">
                 <a:hlinkClick r:id="rId6" action="ppaction://hlinksldjump"/>
               </a:rPr>
               <a:t>Pre-Alpha Stage Release</a:t>
@@ -6081,32 +6010,20 @@
           <a:p>
             <a:pPr eaLnBrk="1" hangingPunct="1"/>
             <a:r>
-              <a:rPr lang="en-US" sz="2400" dirty="0" smtClean="0">
-                <a:hlinkClick r:id="rId8" action="ppaction://hlinksldjump"/>
-              </a:rPr>
-              <a:t>Where </a:t>
-            </a:r>
-            <a:r>
               <a:rPr lang="en-US" sz="2400" dirty="0">
                 <a:hlinkClick r:id="rId8" action="ppaction://hlinksldjump"/>
               </a:rPr>
-              <a:t>to get further information?</a:t>
+              <a:t>Where to get further information?</a:t>
             </a:r>
             <a:endParaRPr lang="en-US" sz="2400" dirty="0"/>
           </a:p>
           <a:p>
             <a:pPr lvl="1" eaLnBrk="1" hangingPunct="1"/>
-            <a:r>
-              <a:rPr lang="en-US" sz="2000" dirty="0" smtClean="0">
-                <a:hlinkClick r:id="rId9" action="ppaction://hlinksldjump"/>
-              </a:rPr>
-              <a:t>GitHub </a:t>
-            </a:r>
             <a:r>
               <a:rPr lang="en-US" sz="2000" dirty="0">
                 <a:hlinkClick r:id="rId9" action="ppaction://hlinksldjump"/>
               </a:rPr>
-              <a:t>Repository Author Screen</a:t>
+              <a:t>GitHub Repository Author Screen</a:t>
             </a:r>
             <a:endParaRPr lang="en-US" sz="2000" dirty="0"/>
           </a:p>
@@ -6126,13 +6043,7 @@
               <a:rPr lang="en-US" sz="2000" dirty="0">
                 <a:hlinkClick r:id="rId11" action="ppaction://hlinksldjump"/>
               </a:rPr>
-              <a:t>GitHub Repository Issues </a:t>
-            </a:r>
-            <a:r>
-              <a:rPr lang="en-US" sz="2000" dirty="0" smtClean="0">
-                <a:hlinkClick r:id="rId11" action="ppaction://hlinksldjump"/>
-              </a:rPr>
-              <a:t>Display</a:t>
+              <a:t>GitHub Repository Issues Display</a:t>
             </a:r>
             <a:endParaRPr lang="en-US" sz="2000" dirty="0"/>
           </a:p>
@@ -6157,9 +6068,9 @@
           <a:p>
             <a:fld id="{594743C1-DE31-4E12-9F9F-1BA9DE6E7B96}" type="datetime1">
               <a:rPr lang="en-US" smtClean="0"/>
-              <a:t>11/25/2015</a:t>
+              <a:t>12/23/2016</a:t>
             </a:fld>
-            <a:endParaRPr lang="en-US" dirty="0" smtClean="0"/>
+            <a:endParaRPr lang="en-US" dirty="0"/>
           </a:p>
         </p:txBody>
       </p:sp>
@@ -6219,13 +6130,6 @@
     <a:masterClrMapping/>
   </p:clrMapOvr>
   <p:transition/>
-  <p:timing>
-    <p:tnLst>
-      <p:par>
-        <p:cTn id="1" dur="indefinite" restart="never" nodeType="tmRoot"/>
-      </p:par>
-    </p:tnLst>
-  </p:timing>
 </p:sld>
 </file>
 
@@ -6265,9 +6169,9 @@
           <a:p>
             <a:fld id="{DAC0D068-D9DE-4058-BAC9-F7BE6B539B76}" type="datetime1">
               <a:rPr lang="en-US" smtClean="0"/>
-              <a:t>11/25/2015</a:t>
+              <a:t>12/23/2016</a:t>
             </a:fld>
-            <a:endParaRPr lang="en-US" smtClean="0"/>
+            <a:endParaRPr lang="en-US"/>
           </a:p>
         </p:txBody>
       </p:sp>
@@ -6289,7 +6193,7 @@
           <a:lstStyle/>
           <a:p>
             <a:r>
-              <a:rPr lang="en-US" dirty="0" smtClean="0"/>
+              <a:rPr lang="en-US" dirty="0"/>
               <a:t>TeamSTARS "tsWxGTUI_PyVx" Toolkit prepared &amp; presented by Richard S. Gordon</a:t>
             </a:r>
           </a:p>
@@ -6339,39 +6243,23 @@
             <a:pPr eaLnBrk="1" hangingPunct="1"/>
             <a:r>
               <a:rPr lang="en-US" dirty="0"/>
-              <a:t>Command Line Interface (CLI) Capabilities</a:t>
-            </a:r>
-            <a:r>
-              <a:rPr lang="en-US" dirty="0" smtClean="0"/>
-              <a:t> </a:t>
-            </a:r>
-            <a:r>
-              <a:rPr lang="en-US" sz="2000" dirty="0" smtClean="0"/>
+              <a:t>Command Line Interface (CLI) Capabilities </a:t>
+            </a:r>
+            <a:r>
+              <a:rPr lang="en-US" sz="2000" dirty="0"/>
               <a:t>(</a:t>
-            </a:r>
-            <a:r>
-              <a:rPr lang="en-US" sz="2000" dirty="0" smtClean="0">
-                <a:hlinkClick r:id="rId3" action="ppaction://hlinksldjump"/>
-              </a:rPr>
-              <a:t>Table </a:t>
             </a:r>
             <a:r>
               <a:rPr lang="en-US" sz="2000" dirty="0">
                 <a:hlinkClick r:id="rId3" action="ppaction://hlinksldjump"/>
               </a:rPr>
-              <a:t>of </a:t>
-            </a:r>
-            <a:r>
-              <a:rPr lang="en-US" sz="2000" dirty="0" smtClean="0">
-                <a:hlinkClick r:id="rId3" action="ppaction://hlinksldjump"/>
-              </a:rPr>
-              <a:t>Contents</a:t>
-            </a:r>
-            <a:r>
-              <a:rPr lang="en-US" sz="2000" dirty="0" smtClean="0"/>
+              <a:t>Table of Contents</a:t>
+            </a:r>
+            <a:r>
+              <a:rPr lang="en-US" sz="2000" dirty="0"/>
               <a:t>) </a:t>
             </a:r>
-            <a:endParaRPr lang="en-US" sz="3200" dirty="0" smtClean="0"/>
+            <a:endParaRPr lang="en-US" sz="3200" dirty="0"/>
           </a:p>
         </p:txBody>
       </p:sp>
@@ -6396,7 +6284,7 @@
               </a:lnSpc>
             </a:pPr>
             <a:r>
-              <a:rPr lang="en-US" sz="2800" dirty="0" smtClean="0"/>
+              <a:rPr lang="en-US" sz="2800" dirty="0"/>
               <a:t>Launch application programs with or without:</a:t>
             </a:r>
           </a:p>
@@ -6407,7 +6295,7 @@
               </a:lnSpc>
             </a:pPr>
             <a:r>
-              <a:rPr lang="en-US" sz="2400" dirty="0" smtClean="0"/>
+              <a:rPr lang="en-US" sz="2400" dirty="0"/>
               <a:t>operator key word-value pair options</a:t>
             </a:r>
           </a:p>
@@ -6418,7 +6306,7 @@
               </a:lnSpc>
             </a:pPr>
             <a:r>
-              <a:rPr lang="en-US" sz="2400" dirty="0" smtClean="0"/>
+              <a:rPr lang="en-US" sz="2400" dirty="0"/>
               <a:t>positional arguments</a:t>
             </a:r>
           </a:p>
@@ -6429,7 +6317,7 @@
               </a:lnSpc>
             </a:pPr>
             <a:r>
-              <a:rPr lang="en-US" sz="2800" dirty="0" smtClean="0"/>
+              <a:rPr lang="en-US" sz="2800" dirty="0"/>
               <a:t>Create platform configuration and event log files for date and time stamped messages notifying operator and field service of situations requiring:</a:t>
             </a:r>
           </a:p>
@@ -6440,7 +6328,7 @@
               </a:lnSpc>
             </a:pPr>
             <a:r>
-              <a:rPr lang="en-US" sz="2400" dirty="0" smtClean="0"/>
+              <a:rPr lang="en-US" sz="2400" dirty="0"/>
               <a:t>immediate action</a:t>
             </a:r>
           </a:p>
@@ -6451,7 +6339,7 @@
               </a:lnSpc>
             </a:pPr>
             <a:r>
-              <a:rPr lang="en-US" sz="2400" dirty="0" smtClean="0"/>
+              <a:rPr lang="en-US" sz="2400" dirty="0"/>
               <a:t>later troubleshooting</a:t>
             </a:r>
           </a:p>
@@ -6462,7 +6350,7 @@
               </a:lnSpc>
             </a:pPr>
             <a:r>
-              <a:rPr lang="en-US" sz="2800" dirty="0" smtClean="0"/>
+              <a:rPr lang="en-US" sz="2800" dirty="0"/>
               <a:t>Generate and return Unix-type exit code to coordinate operation of multiple collaborating scripts.</a:t>
             </a:r>
           </a:p>
@@ -6472,7 +6360,7 @@
                 <a:spcPct val="80000"/>
               </a:lnSpc>
             </a:pPr>
-            <a:endParaRPr lang="en-US" sz="2000" dirty="0" smtClean="0"/>
+            <a:endParaRPr lang="en-US" sz="2000" dirty="0"/>
           </a:p>
         </p:txBody>
       </p:sp>
@@ -6481,13 +6369,6 @@
   <p:clrMapOvr>
     <a:masterClrMapping/>
   </p:clrMapOvr>
-  <p:timing>
-    <p:tnLst>
-      <p:par>
-        <p:cTn id="1" dur="indefinite" restart="never" nodeType="tmRoot"/>
-      </p:par>
-    </p:tnLst>
-  </p:timing>
 </p:sld>
 </file>
 
@@ -6527,9 +6408,9 @@
           <a:p>
             <a:fld id="{956DDA98-CACB-4713-B2F9-A8B1C5468B04}" type="datetime1">
               <a:rPr lang="en-US" smtClean="0"/>
-              <a:t>11/25/2015</a:t>
+              <a:t>12/23/2016</a:t>
             </a:fld>
-            <a:endParaRPr lang="en-US" smtClean="0"/>
+            <a:endParaRPr lang="en-US"/>
           </a:p>
         </p:txBody>
       </p:sp>
@@ -6551,7 +6432,7 @@
           <a:lstStyle/>
           <a:p>
             <a:r>
-              <a:rPr lang="en-US" dirty="0" smtClean="0"/>
+              <a:rPr lang="en-US" dirty="0"/>
               <a:t>TeamSTARS "tsWxGTUI_PyVx" Toolkit prepared &amp; presented by Richard S. Gordon</a:t>
             </a:r>
           </a:p>
@@ -6601,11 +6482,7 @@
             <a:pPr eaLnBrk="1" hangingPunct="1"/>
             <a:r>
               <a:rPr lang="en-US" dirty="0"/>
-              <a:t>Graphical User Interface (GUI) Capabilities</a:t>
-            </a:r>
-            <a:r>
-              <a:rPr lang="en-US" dirty="0" smtClean="0"/>
-              <a:t> </a:t>
+              <a:t>Graphical User Interface (GUI) Capabilities </a:t>
             </a:r>
             <a:r>
               <a:rPr lang="en-US" sz="2000" dirty="0"/>
@@ -6618,10 +6495,10 @@
               <a:t>Table of Contents</a:t>
             </a:r>
             <a:r>
-              <a:rPr lang="en-US" sz="2000" dirty="0" smtClean="0"/>
+              <a:rPr lang="en-US" sz="2000" dirty="0"/>
               <a:t>)</a:t>
             </a:r>
-            <a:endParaRPr lang="en-US" sz="3200" dirty="0" smtClean="0"/>
+            <a:endParaRPr lang="en-US" sz="3200" dirty="0"/>
           </a:p>
         </p:txBody>
       </p:sp>
@@ -6646,7 +6523,7 @@
               </a:lnSpc>
             </a:pPr>
             <a:r>
-              <a:rPr lang="en-US" sz="2400" smtClean="0"/>
+              <a:rPr lang="en-US" sz="2400"/>
               <a:t>Launch character-mode wxPython-like application programs (mimicking the look and feel of native GUI applications on Microsoft Windows) with or without configurable options for:</a:t>
             </a:r>
           </a:p>
@@ -6657,7 +6534,7 @@
               </a:lnSpc>
             </a:pPr>
             <a:r>
-              <a:rPr lang="en-US" sz="2000" smtClean="0"/>
+              <a:rPr lang="en-US" sz="2000"/>
               <a:t>Splash Screen containing:</a:t>
             </a:r>
           </a:p>
@@ -6668,7 +6545,7 @@
               </a:lnSpc>
             </a:pPr>
             <a:r>
-              <a:rPr lang="en-US" sz="1800" smtClean="0"/>
+              <a:rPr lang="en-US" sz="1800"/>
               <a:t>Trademark, Copyright, License and/or Notice depending on screen size</a:t>
             </a:r>
           </a:p>
@@ -6679,7 +6556,7 @@
               </a:lnSpc>
             </a:pPr>
             <a:r>
-              <a:rPr lang="en-US" sz="2000" smtClean="0"/>
+              <a:rPr lang="en-US" sz="2000"/>
               <a:t>Redirected Output containing:</a:t>
             </a:r>
           </a:p>
@@ -6690,7 +6567,7 @@
               </a:lnSpc>
             </a:pPr>
             <a:r>
-              <a:rPr lang="en-US" sz="1800" smtClean="0"/>
+              <a:rPr lang="en-US" sz="1800"/>
               <a:t>Event log files for date and time stamped messages notifying operator of situations requiring immediate action</a:t>
             </a:r>
           </a:p>
@@ -6701,7 +6578,7 @@
               </a:lnSpc>
             </a:pPr>
             <a:r>
-              <a:rPr lang="en-US" sz="2000" smtClean="0"/>
+              <a:rPr lang="en-US" sz="2000"/>
               <a:t>Taskbar containing:</a:t>
             </a:r>
           </a:p>
@@ -6712,7 +6589,7 @@
               </a:lnSpc>
             </a:pPr>
             <a:r>
-              <a:rPr lang="en-US" sz="1800" smtClean="0"/>
+              <a:rPr lang="en-US" sz="1800"/>
               <a:t>A row of buttons that represent open programs, among which the user can switch back and forth by clicking on the appropriate button</a:t>
             </a:r>
           </a:p>
@@ -6723,7 +6600,7 @@
               </a:lnSpc>
             </a:pPr>
             <a:r>
-              <a:rPr lang="en-US" sz="2400" smtClean="0"/>
+              <a:rPr lang="en-US" sz="2400"/>
               <a:t>Generate and return Unix-type exit code to coordinate operation of multiple collaborating scripts.</a:t>
             </a:r>
           </a:p>
@@ -6734,13 +6611,6 @@
   <p:clrMapOvr>
     <a:masterClrMapping/>
   </p:clrMapOvr>
-  <p:timing>
-    <p:tnLst>
-      <p:par>
-        <p:cTn id="1" dur="indefinite" restart="never" nodeType="tmRoot"/>
-      </p:par>
-    </p:tnLst>
-  </p:timing>
 </p:sld>
 </file>
 
@@ -6780,9 +6650,9 @@
           <a:p>
             <a:fld id="{5500D3E7-AAF6-4F89-853E-7A49B1377EB2}" type="datetime1">
               <a:rPr lang="en-US" smtClean="0"/>
-              <a:t>11/25/2015</a:t>
+              <a:t>12/23/2016</a:t>
             </a:fld>
-            <a:endParaRPr lang="en-US" smtClean="0"/>
+            <a:endParaRPr lang="en-US"/>
           </a:p>
         </p:txBody>
       </p:sp>
@@ -6804,7 +6674,7 @@
           <a:lstStyle/>
           <a:p>
             <a:r>
-              <a:rPr lang="en-US" dirty="0" smtClean="0"/>
+              <a:rPr lang="en-US" dirty="0"/>
               <a:t>TeamSTARS "tsWxGTUI_PyVx" Toolkit prepared &amp; presented by Richard S. Gordon</a:t>
             </a:r>
           </a:p>
@@ -6854,19 +6724,7 @@
             <a:pPr eaLnBrk="1" hangingPunct="1"/>
             <a:r>
               <a:rPr lang="en-US" dirty="0"/>
-              <a:t>Local </a:t>
-            </a:r>
-            <a:r>
-              <a:rPr lang="en-US" dirty="0" smtClean="0"/>
-              <a:t>&amp; Remote Monitoring </a:t>
-            </a:r>
-            <a:r>
-              <a:rPr lang="en-US" dirty="0"/>
-              <a:t>/ Control Capabilities</a:t>
-            </a:r>
-            <a:r>
-              <a:rPr lang="en-US" dirty="0" smtClean="0"/>
-              <a:t> </a:t>
+              <a:t>Local &amp; Remote Monitoring / Control Capabilities </a:t>
             </a:r>
             <a:r>
               <a:rPr lang="en-US" sz="2000" dirty="0"/>
@@ -6879,10 +6737,10 @@
               <a:t>Table of Contents</a:t>
             </a:r>
             <a:r>
-              <a:rPr lang="en-US" sz="2000" dirty="0" smtClean="0"/>
+              <a:rPr lang="en-US" sz="2000" dirty="0"/>
               <a:t>)</a:t>
             </a:r>
-            <a:endParaRPr lang="en-US" sz="3200" dirty="0" smtClean="0"/>
+            <a:endParaRPr lang="en-US" sz="3200" dirty="0"/>
           </a:p>
         </p:txBody>
       </p:sp>
@@ -6903,58 +6761,15 @@
           <a:p>
             <a:pPr eaLnBrk="1" hangingPunct="1"/>
             <a:r>
-              <a:rPr lang="en-US" sz="2400" dirty="0" smtClean="0"/>
+              <a:rPr lang="en-US" sz="2400" dirty="0"/>
               <a:t>Once you've logged into your local computer, you can:</a:t>
             </a:r>
           </a:p>
           <a:p>
             <a:pPr lvl="1" eaLnBrk="1" hangingPunct="1"/>
             <a:r>
-              <a:rPr lang="en-US" sz="2000" dirty="0" smtClean="0"/>
+              <a:rPr lang="en-US" sz="2000" dirty="0"/>
               <a:t>Launch one or more local shells (such as "</a:t>
-            </a:r>
-            <a:r>
-              <a:rPr lang="en-US" sz="2000" b="1" dirty="0" err="1" smtClean="0"/>
-              <a:t>sh</a:t>
-            </a:r>
-            <a:r>
-              <a:rPr lang="en-US" sz="2000" dirty="0" smtClean="0"/>
-              <a:t>" and "</a:t>
-            </a:r>
-            <a:r>
-              <a:rPr lang="en-US" sz="2000" b="1" dirty="0" smtClean="0"/>
-              <a:t>bash</a:t>
-            </a:r>
-            <a:r>
-              <a:rPr lang="en-US" sz="2000" dirty="0" smtClean="0"/>
-              <a:t>") associated with the local operating system's command line interface.</a:t>
-            </a:r>
-          </a:p>
-          <a:p>
-            <a:pPr lvl="1" eaLnBrk="1" hangingPunct="1"/>
-            <a:r>
-              <a:rPr lang="en-US" sz="2000" dirty="0" smtClean="0"/>
-              <a:t>Use a local secure shell (such as “</a:t>
-            </a:r>
-            <a:r>
-              <a:rPr lang="en-US" sz="2000" b="1" dirty="0" err="1" smtClean="0"/>
-              <a:t>ssh</a:t>
-            </a:r>
-            <a:r>
-              <a:rPr lang="en-US" sz="2000" dirty="0" smtClean="0"/>
-              <a:t>”) or a local non-secure shell (such as “</a:t>
-            </a:r>
-            <a:r>
-              <a:rPr lang="en-US" sz="2000" b="1" dirty="0" err="1" smtClean="0"/>
-              <a:t>rsh</a:t>
-            </a:r>
-            <a:r>
-              <a:rPr lang="en-US" sz="2000" dirty="0" smtClean="0"/>
-              <a:t>) to launch one or more remote shells </a:t>
-            </a:r>
-            <a:r>
-              <a:rPr lang="en-US" sz="2000" dirty="0"/>
-              <a:t>(such as "</a:t>
             </a:r>
             <a:r>
               <a:rPr lang="en-US" sz="2000" b="1" dirty="0" err="1"/>
@@ -6970,49 +6785,76 @@
             </a:r>
             <a:r>
               <a:rPr lang="en-US" sz="2000" dirty="0"/>
-              <a:t>") associated with the </a:t>
-            </a:r>
-            <a:r>
-              <a:rPr lang="en-US" sz="2000" dirty="0" smtClean="0"/>
-              <a:t>remote operating </a:t>
-            </a:r>
+              <a:t>") associated with the local operating system's command line interface.</a:t>
+            </a:r>
+          </a:p>
+          <a:p>
+            <a:pPr lvl="1" eaLnBrk="1" hangingPunct="1"/>
             <a:r>
               <a:rPr lang="en-US" sz="2000" dirty="0"/>
-              <a:t>system's command line interface</a:t>
-            </a:r>
-            <a:r>
-              <a:rPr lang="en-US" sz="2000" dirty="0" smtClean="0"/>
-              <a:t>.</a:t>
+              <a:t>Use a local secure shell (such as “</a:t>
+            </a:r>
+            <a:r>
+              <a:rPr lang="en-US" sz="2000" b="1" dirty="0" err="1"/>
+              <a:t>ssh</a:t>
+            </a:r>
+            <a:r>
+              <a:rPr lang="en-US" sz="2000" dirty="0"/>
+              <a:t>”) or a local non-secure shell (such as “</a:t>
+            </a:r>
+            <a:r>
+              <a:rPr lang="en-US" sz="2000" b="1" dirty="0" err="1"/>
+              <a:t>rsh</a:t>
+            </a:r>
+            <a:r>
+              <a:rPr lang="en-US" sz="2000" dirty="0"/>
+              <a:t>) to launch one or more remote shells (such as "</a:t>
+            </a:r>
+            <a:r>
+              <a:rPr lang="en-US" sz="2000" b="1" dirty="0" err="1"/>
+              <a:t>sh</a:t>
+            </a:r>
+            <a:r>
+              <a:rPr lang="en-US" sz="2000" dirty="0"/>
+              <a:t>" and "</a:t>
+            </a:r>
+            <a:r>
+              <a:rPr lang="en-US" sz="2000" b="1" dirty="0"/>
+              <a:t>bash</a:t>
+            </a:r>
+            <a:r>
+              <a:rPr lang="en-US" sz="2000" dirty="0"/>
+              <a:t>") associated with the remote operating system's command line interface.</a:t>
             </a:r>
           </a:p>
           <a:p>
             <a:pPr eaLnBrk="1" hangingPunct="1"/>
             <a:r>
-              <a:rPr lang="en-US" sz="2400" dirty="0" smtClean="0"/>
+              <a:rPr lang="en-US" sz="2400" dirty="0"/>
               <a:t>The local and remote operating system's command line interface provides access to associated terminal interface and the </a:t>
             </a:r>
             <a:r>
-              <a:rPr lang="en-US" sz="2400" dirty="0" err="1" smtClean="0"/>
+              <a:rPr lang="en-US" sz="2400" dirty="0" err="1"/>
               <a:t>TeamSTARS</a:t>
             </a:r>
             <a:r>
-              <a:rPr lang="en-US" sz="2400" dirty="0" smtClean="0"/>
+              <a:rPr lang="en-US" sz="2400" dirty="0"/>
               <a:t>  "</a:t>
             </a:r>
             <a:r>
-              <a:rPr lang="en-US" sz="2400" dirty="0" err="1" smtClean="0"/>
+              <a:rPr lang="en-US" sz="2400" dirty="0" err="1"/>
               <a:t>tsWxGTUI_PyVx</a:t>
             </a:r>
             <a:r>
-              <a:rPr lang="en-US" sz="2400" dirty="0" smtClean="0"/>
+              <a:rPr lang="en-US" sz="2400" dirty="0"/>
               <a:t>" Toolkit's Python and "Curses" (or “</a:t>
             </a:r>
             <a:r>
-              <a:rPr lang="en-US" sz="2400" dirty="0" err="1" smtClean="0"/>
+              <a:rPr lang="en-US" sz="2400" dirty="0" err="1"/>
               <a:t>nCurses</a:t>
             </a:r>
             <a:r>
-              <a:rPr lang="en-US" sz="2400" dirty="0" smtClean="0"/>
+              <a:rPr lang="en-US" sz="2400" dirty="0"/>
               <a:t>”) based character-mode user interfaces which enable you to monitor and control one or more local and remote application programs. </a:t>
             </a:r>
           </a:p>
@@ -7024,13 +6866,6 @@
     <a:masterClrMapping/>
   </p:clrMapOvr>
   <p:transition/>
-  <p:timing>
-    <p:tnLst>
-      <p:par>
-        <p:cTn id="1" dur="indefinite" restart="never" nodeType="tmRoot"/>
-      </p:par>
-    </p:tnLst>
-  </p:timing>
 </p:sld>
 </file>
 
@@ -7070,9 +6905,9 @@
           <a:p>
             <a:fld id="{D2AECBB3-F8A3-4228-8D1C-0C9659E879AA}" type="datetime1">
               <a:rPr lang="en-US" smtClean="0"/>
-              <a:t>11/25/2015</a:t>
+              <a:t>12/23/2016</a:t>
             </a:fld>
-            <a:endParaRPr lang="en-US" smtClean="0"/>
+            <a:endParaRPr lang="en-US"/>
           </a:p>
         </p:txBody>
       </p:sp>
@@ -7094,7 +6929,7 @@
           <a:lstStyle/>
           <a:p>
             <a:r>
-              <a:rPr lang="en-US" dirty="0" smtClean="0"/>
+              <a:rPr lang="en-US" dirty="0"/>
               <a:t>TeamSTARS "tsWxGTUI_PyVx" Toolkit prepared &amp; presented by Richard S. Gordon</a:t>
             </a:r>
           </a:p>
@@ -7147,7 +6982,7 @@
               <a:t>Pre-Alpha Stage Limitations</a:t>
             </a:r>
             <a:r>
-              <a:rPr lang="en-US" sz="3200" dirty="0" smtClean="0"/>
+              <a:rPr lang="en-US" sz="3200" dirty="0"/>
               <a:t> </a:t>
             </a:r>
             <a:r>
@@ -7161,10 +6996,10 @@
               <a:t>Table of Contents</a:t>
             </a:r>
             <a:r>
-              <a:rPr lang="en-US" sz="2000" dirty="0" smtClean="0"/>
+              <a:rPr lang="en-US" sz="2000" dirty="0"/>
               <a:t>)</a:t>
             </a:r>
-            <a:endParaRPr lang="en-US" sz="3200" dirty="0" smtClean="0"/>
+            <a:endParaRPr lang="en-US" sz="3200" dirty="0"/>
           </a:p>
         </p:txBody>
       </p:sp>
@@ -7185,66 +7020,50 @@
           <a:p>
             <a:pPr eaLnBrk="1" hangingPunct="1"/>
             <a:r>
-              <a:rPr lang="en-US" sz="2400" dirty="0" smtClean="0"/>
+              <a:rPr lang="en-US" sz="2400" dirty="0"/>
               <a:t>Designates a program or application that is NOT:</a:t>
             </a:r>
           </a:p>
           <a:p>
             <a:pPr lvl="1" eaLnBrk="1" hangingPunct="1"/>
             <a:r>
-              <a:rPr lang="en-US" sz="2000" dirty="0" smtClean="0"/>
+              <a:rPr lang="en-US" sz="2000" dirty="0"/>
               <a:t>Feature complete</a:t>
             </a:r>
           </a:p>
           <a:p>
             <a:pPr lvl="1" eaLnBrk="1" hangingPunct="1"/>
             <a:r>
-              <a:rPr lang="en-US" sz="2000" dirty="0" smtClean="0"/>
+              <a:rPr lang="en-US" sz="2000" dirty="0"/>
               <a:t>Independently tested</a:t>
             </a:r>
           </a:p>
           <a:p>
             <a:pPr lvl="1" eaLnBrk="1" hangingPunct="1"/>
             <a:r>
-              <a:rPr lang="en-US" sz="2000" dirty="0" smtClean="0"/>
+              <a:rPr lang="en-US" sz="2000" dirty="0"/>
               <a:t>Usually released to the public</a:t>
             </a:r>
           </a:p>
           <a:p>
             <a:pPr eaLnBrk="1" hangingPunct="1"/>
             <a:r>
-              <a:rPr lang="en-US" sz="2400" dirty="0" smtClean="0"/>
+              <a:rPr lang="en-US" sz="2400" dirty="0"/>
               <a:t>Developers are still deciding on what features the source code and documentation should have and are seeking input from third-parties willing to try it and provide constructive feedback.</a:t>
             </a:r>
           </a:p>
           <a:p>
             <a:pPr lvl="1" eaLnBrk="1" hangingPunct="1"/>
             <a:r>
-              <a:rPr lang="en-US" sz="2000" dirty="0" smtClean="0"/>
+              <a:rPr lang="en-US" sz="2000" dirty="0"/>
               <a:t>Current source code and documentation is subject to change without notice.</a:t>
             </a:r>
           </a:p>
           <a:p>
             <a:pPr lvl="1" eaLnBrk="1" hangingPunct="1"/>
             <a:r>
-              <a:rPr lang="en-US" sz="2000" dirty="0" smtClean="0"/>
-              <a:t>Previous </a:t>
-            </a:r>
-            <a:r>
               <a:rPr lang="en-US" sz="2000" dirty="0"/>
-              <a:t>versions </a:t>
-            </a:r>
-            <a:r>
-              <a:rPr lang="en-US" sz="2000" dirty="0" smtClean="0"/>
-              <a:t>of the source </a:t>
-            </a:r>
-            <a:r>
-              <a:rPr lang="en-US" sz="2000" dirty="0"/>
-              <a:t>code and documentation </a:t>
-            </a:r>
-            <a:r>
-              <a:rPr lang="en-US" sz="2000" dirty="0" smtClean="0"/>
-              <a:t>are archived and remain available in the GitHub repository.</a:t>
+              <a:t>Previous versions of the source code and documentation are archived and remain available in the GitHub repository.</a:t>
             </a:r>
           </a:p>
         </p:txBody>
@@ -7254,13 +7073,6 @@
   <p:clrMapOvr>
     <a:masterClrMapping/>
   </p:clrMapOvr>
-  <p:timing>
-    <p:tnLst>
-      <p:par>
-        <p:cTn id="1" dur="indefinite" restart="never" nodeType="tmRoot"/>
-      </p:par>
-    </p:tnLst>
-  </p:timing>
 </p:sld>
 </file>
 
@@ -7312,10 +7124,10 @@
               <a:t>Table of Contents</a:t>
             </a:r>
             <a:r>
-              <a:rPr lang="en-US" sz="2000" dirty="0" smtClean="0"/>
+              <a:rPr lang="en-US" sz="2000" dirty="0"/>
               <a:t>)</a:t>
             </a:r>
-            <a:endParaRPr lang="en-US" sz="3200" dirty="0" smtClean="0"/>
+            <a:endParaRPr lang="en-US" sz="3200" dirty="0"/>
           </a:p>
         </p:txBody>
       </p:sp>
@@ -7336,75 +7148,58 @@
           <a:p>
             <a:pPr eaLnBrk="1" hangingPunct="1"/>
             <a:r>
-              <a:rPr lang="en-US" dirty="0" smtClean="0"/>
-              <a:t>Associated </a:t>
-            </a:r>
-            <a:r>
               <a:rPr lang="en-US" dirty="0"/>
-              <a:t>“GitHub” Public </a:t>
-            </a:r>
-            <a:r>
-              <a:rPr lang="en-US" b="1" dirty="0" smtClean="0">
+              <a:t>Associated “GitHub” Public </a:t>
+            </a:r>
+            <a:r>
+              <a:rPr lang="en-US" b="1" dirty="0">
                 <a:hlinkClick r:id="rId4"/>
               </a:rPr>
               <a:t>Repository</a:t>
             </a:r>
             <a:r>
-              <a:rPr lang="en-US" dirty="0" smtClean="0"/>
+              <a:rPr lang="en-US" dirty="0"/>
               <a:t> </a:t>
             </a:r>
             <a:r>
-              <a:rPr lang="en-US" b="1" dirty="0" smtClean="0"/>
+              <a:rPr lang="en-US" b="1" dirty="0"/>
               <a:t>Issues</a:t>
             </a:r>
             <a:r>
-              <a:rPr lang="en-US" dirty="0" smtClean="0"/>
-              <a:t> Database</a:t>
-            </a:r>
-            <a:r>
-              <a:rPr lang="en-US" dirty="0" smtClean="0"/>
-              <a:t>:</a:t>
-            </a:r>
-            <a:endParaRPr lang="en-US" dirty="0"/>
+              <a:rPr lang="en-US" dirty="0"/>
+              <a:t> Database:</a:t>
+            </a:r>
           </a:p>
           <a:p>
             <a:pPr lvl="1" eaLnBrk="1" hangingPunct="1"/>
             <a:r>
-              <a:rPr lang="en-US" dirty="0" smtClean="0"/>
+              <a:rPr lang="en-US" dirty="0"/>
               <a:t>Click on Menu Item of Interest (“</a:t>
             </a:r>
             <a:r>
-              <a:rPr lang="en-US" b="1" dirty="0" smtClean="0"/>
+              <a:rPr lang="en-US" b="1" dirty="0"/>
               <a:t>Pull requests</a:t>
             </a:r>
             <a:r>
-              <a:rPr lang="en-US" dirty="0" smtClean="0"/>
-              <a:t>”  | </a:t>
-            </a:r>
-            <a:r>
-              <a:rPr lang="en-US" dirty="0" smtClean="0"/>
-              <a:t>“</a:t>
-            </a:r>
-            <a:r>
-              <a:rPr lang="en-US" b="1" dirty="0" smtClean="0">
+              <a:rPr lang="en-US" dirty="0"/>
+              <a:t>”  | “</a:t>
+            </a:r>
+            <a:r>
+              <a:rPr lang="en-US" b="1" dirty="0">
                 <a:hlinkClick r:id="rId5"/>
               </a:rPr>
               <a:t>Issues</a:t>
             </a:r>
             <a:r>
-              <a:rPr lang="en-US" dirty="0" smtClean="0"/>
-              <a:t>” </a:t>
-            </a:r>
-            <a:r>
-              <a:rPr lang="en-US" dirty="0" smtClean="0"/>
-              <a:t>| “</a:t>
-            </a:r>
-            <a:r>
-              <a:rPr lang="en-US" b="1" dirty="0" smtClean="0"/>
+              <a:rPr lang="en-US" dirty="0"/>
+              <a:t>” | “</a:t>
+            </a:r>
+            <a:r>
+              <a:rPr lang="en-US" b="1" dirty="0"/>
               <a:t>Gist</a:t>
             </a:r>
             <a:r>
-              <a:rPr lang="en-US" dirty="0" smtClean="0"/>
+              <a:rPr lang="en-US" dirty="0"/>
               <a:t>”) on Top-Line of Repository Display Window</a:t>
             </a:r>
           </a:p>
@@ -7412,11 +7207,7 @@
             <a:pPr lvl="1" eaLnBrk="1" hangingPunct="1"/>
             <a:r>
               <a:rPr lang="en-US" dirty="0"/>
-              <a:t>Click on Release </a:t>
-            </a:r>
-            <a:r>
-              <a:rPr lang="en-US" dirty="0" smtClean="0"/>
-              <a:t>Subdirectory and File Items of Interest</a:t>
+              <a:t>Click on Release Subdirectory and File Items of Interest</a:t>
             </a:r>
           </a:p>
         </p:txBody>
@@ -7445,12 +7236,8 @@
           <a:p>
             <a:pPr lvl="1" eaLnBrk="1" hangingPunct="1"/>
             <a:r>
-              <a:rPr lang="en-US" dirty="0" smtClean="0"/>
-              <a:t>Click </a:t>
-            </a:r>
-            <a:r>
               <a:rPr lang="en-US" dirty="0"/>
-              <a:t>on Release Subdirectory and File Items of Interest</a:t>
+              <a:t>Click on Release Subdirectory and File Items of Interest</a:t>
             </a:r>
           </a:p>
           <a:p>
@@ -7508,13 +7295,8 @@
             <a:pPr lvl="3" eaLnBrk="1" hangingPunct="1"/>
             <a:r>
               <a:rPr lang="en-US" sz="1400" dirty="0"/>
-              <a:t>“./Site-Packages” source code file(s</a:t>
-            </a:r>
-            <a:r>
-              <a:rPr lang="en-US" sz="1400" dirty="0" smtClean="0"/>
-              <a:t>)</a:t>
-            </a:r>
-            <a:endParaRPr lang="en-US" sz="1400" dirty="0"/>
+              <a:t>“./Site-Packages” source code file(s)</a:t>
+            </a:r>
           </a:p>
         </p:txBody>
       </p:sp>
@@ -7537,9 +7319,9 @@
           <a:p>
             <a:fld id="{97FF7CE2-074E-4431-B886-9A20496E94C1}" type="datetime1">
               <a:rPr lang="en-US" smtClean="0"/>
-              <a:t>11/25/2015</a:t>
+              <a:t>12/23/2016</a:t>
             </a:fld>
-            <a:endParaRPr lang="en-US" smtClean="0"/>
+            <a:endParaRPr lang="en-US"/>
           </a:p>
         </p:txBody>
       </p:sp>
@@ -7561,7 +7343,7 @@
           <a:lstStyle/>
           <a:p>
             <a:r>
-              <a:rPr lang="en-US" dirty="0" smtClean="0"/>
+              <a:rPr lang="en-US" dirty="0"/>
               <a:t>TeamSTARS "tsWxGTUI_PyVx" Toolkit prepared &amp; presented by Richard S. Gordon</a:t>
             </a:r>
           </a:p>
@@ -7598,13 +7380,6 @@
   <p:clrMapOvr>
     <a:masterClrMapping/>
   </p:clrMapOvr>
-  <p:timing>
-    <p:tnLst>
-      <p:par>
-        <p:cTn id="1" dur="indefinite" restart="never" nodeType="tmRoot"/>
-      </p:par>
-    </p:tnLst>
-  </p:timing>
 </p:sld>
 </file>
 
@@ -7645,15 +7420,7 @@
             </a:pPr>
             <a:r>
               <a:rPr lang="en-US" dirty="0"/>
-              <a:t>Where </a:t>
-            </a:r>
-            <a:r>
-              <a:rPr lang="en-US" dirty="0" smtClean="0"/>
-              <a:t>to </a:t>
-            </a:r>
-            <a:r>
-              <a:rPr lang="en-US" dirty="0"/>
-              <a:t>get further information? </a:t>
+              <a:t>Where to get further information? </a:t>
             </a:r>
             <a:r>
               <a:rPr lang="en-US" sz="1800" dirty="0"/>
@@ -7666,10 +7433,9 @@
               <a:t>Table of Contents</a:t>
             </a:r>
             <a:r>
-              <a:rPr lang="en-US" sz="1800" dirty="0" smtClean="0"/>
+              <a:rPr lang="en-US" sz="1800" dirty="0"/>
               <a:t>)</a:t>
             </a:r>
-            <a:endParaRPr lang="en-US" sz="1800" dirty="0"/>
           </a:p>
         </p:txBody>
       </p:sp>
@@ -7692,24 +7458,12 @@
               <a:buNone/>
             </a:pPr>
             <a:r>
-              <a:rPr lang="en-US" sz="2800" dirty="0" smtClean="0">
-                <a:hlinkClick r:id="rId3"/>
-              </a:rPr>
-              <a:t>https</a:t>
-            </a:r>
-            <a:r>
               <a:rPr lang="en-US" sz="2800" dirty="0">
                 <a:hlinkClick r:id="rId3"/>
               </a:rPr>
-              <a:t>://</a:t>
-            </a:r>
-            <a:r>
-              <a:rPr lang="en-US" sz="2800" dirty="0" smtClean="0">
-                <a:hlinkClick r:id="rId3"/>
-              </a:rPr>
-              <a:t>github.com/rigordo959/tsWxGTUI_PyVx_Repository</a:t>
-            </a:r>
-            <a:endParaRPr lang="en-US" sz="2800" dirty="0" smtClean="0"/>
+              <a:t>https://github.com/rigordo959/tsWxGTUI_PyVx_Repository</a:t>
+            </a:r>
+            <a:endParaRPr lang="en-US" sz="2800" dirty="0"/>
           </a:p>
         </p:txBody>
       </p:sp>
@@ -7732,9 +7486,9 @@
           <a:p>
             <a:fld id="{33C6FF47-8398-4393-8122-83295449F3D8}" type="datetime1">
               <a:rPr lang="en-US" smtClean="0"/>
-              <a:t>11/25/2015</a:t>
+              <a:t>12/23/2016</a:t>
             </a:fld>
-            <a:endParaRPr lang="en-US" dirty="0" smtClean="0"/>
+            <a:endParaRPr lang="en-US" dirty="0"/>
           </a:p>
         </p:txBody>
       </p:sp>
@@ -7756,7 +7510,7 @@
           <a:lstStyle/>
           <a:p>
             <a:r>
-              <a:rPr lang="en-US" dirty="0" smtClean="0"/>
+              <a:rPr lang="en-US" dirty="0"/>
               <a:t>TeamSTARS "tsWxGTUI_PyVx" Toolkit prepared &amp; presented by Richard S. Gordon</a:t>
             </a:r>
           </a:p>
@@ -7793,13 +7547,6 @@
   <p:clrMapOvr>
     <a:masterClrMapping/>
   </p:clrMapOvr>
-  <p:timing>
-    <p:tnLst>
-      <p:par>
-        <p:cTn id="1" dur="indefinite" restart="never" nodeType="tmRoot"/>
-      </p:par>
-    </p:tnLst>
-  </p:timing>
 </p:sld>
 </file>
 
@@ -7840,11 +7587,7 @@
             </a:pPr>
             <a:r>
               <a:rPr lang="en-US" dirty="0"/>
-              <a:t>GitHub Repository Author </a:t>
-            </a:r>
-            <a:r>
-              <a:rPr lang="en-US" dirty="0" smtClean="0"/>
-              <a:t>Screen </a:t>
+              <a:t>GitHub Repository Author Screen </a:t>
             </a:r>
             <a:r>
               <a:rPr lang="en-US" sz="1800" dirty="0"/>
@@ -7857,10 +7600,9 @@
               <a:t>Table of Contents</a:t>
             </a:r>
             <a:r>
-              <a:rPr lang="en-US" sz="1800" dirty="0" smtClean="0"/>
+              <a:rPr lang="en-US" sz="1800" dirty="0"/>
               <a:t>)</a:t>
             </a:r>
-            <a:endParaRPr lang="en-US" sz="1800" dirty="0"/>
           </a:p>
         </p:txBody>
       </p:sp>
@@ -7909,72 +7651,23 @@
           <a:lstStyle/>
           <a:p>
             <a:r>
-              <a:rPr lang="en-US" sz="2400" dirty="0" smtClean="0"/>
-              <a:t>Click </a:t>
-            </a:r>
-            <a:r>
               <a:rPr lang="en-US" sz="2400" dirty="0"/>
-              <a:t>on an Item of Interest </a:t>
-            </a:r>
-            <a:r>
-              <a:rPr lang="en-US" sz="2400" dirty="0" smtClean="0"/>
-              <a:t>(icon “Set up </a:t>
-            </a:r>
-            <a:r>
-              <a:rPr lang="en-US" sz="2400" dirty="0" err="1" smtClean="0"/>
+              <a:t>Click on an Item of Interest (icon “Set up </a:t>
+            </a:r>
+            <a:r>
+              <a:rPr lang="en-US" sz="2400" dirty="0" err="1"/>
               <a:t>Git</a:t>
             </a:r>
             <a:r>
-              <a:rPr lang="en-US" sz="2400" dirty="0" smtClean="0"/>
-              <a:t>”, “Create Repositories”, “Fork Repositories” or “Work Together”) </a:t>
-            </a:r>
-            <a:r>
               <a:rPr lang="en-US" sz="2400" dirty="0"/>
-              <a:t>to </a:t>
-            </a:r>
-            <a:r>
-              <a:rPr lang="en-US" sz="2400" dirty="0" smtClean="0"/>
-              <a:t>initiate an activity</a:t>
-            </a:r>
-          </a:p>
-          <a:p>
-            <a:r>
-              <a:rPr lang="en-US" sz="2400" dirty="0" smtClean="0"/>
-              <a:t>Click </a:t>
-            </a:r>
+              <a:t>”, “Create Repositories”, “Fork Repositories” or “Work Together”) to initiate an activity</a:t>
+            </a:r>
+          </a:p>
+          <a:p>
             <a:r>
               <a:rPr lang="en-US" sz="2400" dirty="0"/>
-              <a:t>on an Item of Interest </a:t>
-            </a:r>
-            <a:r>
-              <a:rPr lang="en-US" sz="2400" dirty="0" smtClean="0"/>
-              <a:t>(menu “Pull requests”, “Issues” or “Gist) </a:t>
-            </a:r>
-            <a:r>
-              <a:rPr lang="en-US" sz="2400" dirty="0"/>
-              <a:t>to </a:t>
-            </a:r>
-            <a:r>
-              <a:rPr lang="en-US" sz="2400" dirty="0" smtClean="0"/>
-              <a:t>initiate </a:t>
-            </a:r>
-            <a:r>
-              <a:rPr lang="en-US" sz="2400" dirty="0"/>
-              <a:t>an activity </a:t>
-            </a:r>
-            <a:r>
-              <a:rPr lang="en-US" sz="2400" dirty="0" smtClean="0"/>
-              <a:t>or view </a:t>
-            </a:r>
-            <a:r>
-              <a:rPr lang="en-US" sz="2400" dirty="0"/>
-              <a:t>its </a:t>
-            </a:r>
-            <a:r>
-              <a:rPr lang="en-US" sz="2400" dirty="0" smtClean="0"/>
-              <a:t>contents</a:t>
-            </a:r>
-            <a:endParaRPr lang="en-US" sz="2400" dirty="0"/>
+              <a:t>Click on an Item of Interest (menu “Pull requests”, “Issues” or “Gist) to initiate an activity or view its contents</a:t>
+            </a:r>
           </a:p>
         </p:txBody>
       </p:sp>
@@ -7997,9 +7690,9 @@
           <a:p>
             <a:fld id="{33C6FF47-8398-4393-8122-83295449F3D8}" type="datetime1">
               <a:rPr lang="en-US" smtClean="0"/>
-              <a:t>11/25/2015</a:t>
+              <a:t>12/23/2016</a:t>
             </a:fld>
-            <a:endParaRPr lang="en-US" dirty="0" smtClean="0"/>
+            <a:endParaRPr lang="en-US" dirty="0"/>
           </a:p>
         </p:txBody>
       </p:sp>
@@ -8021,7 +7714,7 @@
           <a:lstStyle/>
           <a:p>
             <a:r>
-              <a:rPr lang="en-US" dirty="0" smtClean="0"/>
+              <a:rPr lang="en-US" dirty="0"/>
               <a:t>TeamSTARS "tsWxGTUI_PyVx" Toolkit prepared &amp; presented by Richard S. Gordon</a:t>
             </a:r>
           </a:p>
@@ -8063,13 +7756,6 @@
   <p:clrMapOvr>
     <a:masterClrMapping/>
   </p:clrMapOvr>
-  <p:timing>
-    <p:tnLst>
-      <p:par>
-        <p:cTn id="1" dur="indefinite" restart="never" nodeType="tmRoot"/>
-      </p:par>
-    </p:tnLst>
-  </p:timing>
 </p:sld>
 </file>
 
